--- a/Projetos de Software/Aula 10 - Enumerações/Array e Listas.pptx
+++ b/Projetos de Software/Aula 10 - Enumerações/Array e Listas.pptx
@@ -235,7 +235,7 @@
           <a:p>
             <a:fld id="{FCBB45FB-FC1C-4893-B550-48C1193193C6}" type="datetimeFigureOut">
               <a:rPr lang="pt-BR" smtClean="0"/>
-              <a:t>16/01/2025</a:t>
+              <a:t>14/02/2025</a:t>
             </a:fld>
             <a:endParaRPr lang="pt-BR"/>
           </a:p>
@@ -938,7 +938,7 @@
           <a:p>
             <a:fld id="{CDD55C27-F8C6-4481-8569-CAC50CAE9F1F}" type="datetimeFigureOut">
               <a:rPr lang="pt-BR" smtClean="0"/>
-              <a:t>16/01/2025</a:t>
+              <a:t>14/02/2025</a:t>
             </a:fld>
             <a:endParaRPr lang="pt-BR"/>
           </a:p>
@@ -1437,7 +1437,7 @@
           <a:p>
             <a:fld id="{CDD55C27-F8C6-4481-8569-CAC50CAE9F1F}" type="datetimeFigureOut">
               <a:rPr lang="pt-BR" smtClean="0"/>
-              <a:t>16/01/2025</a:t>
+              <a:t>14/02/2025</a:t>
             </a:fld>
             <a:endParaRPr lang="pt-BR"/>
           </a:p>
@@ -1740,7 +1740,7 @@
           <a:p>
             <a:fld id="{CDD55C27-F8C6-4481-8569-CAC50CAE9F1F}" type="datetimeFigureOut">
               <a:rPr lang="pt-BR" smtClean="0"/>
-              <a:t>16/01/2025</a:t>
+              <a:t>14/02/2025</a:t>
             </a:fld>
             <a:endParaRPr lang="pt-BR"/>
           </a:p>
@@ -2191,7 +2191,7 @@
           <a:p>
             <a:fld id="{CDD55C27-F8C6-4481-8569-CAC50CAE9F1F}" type="datetimeFigureOut">
               <a:rPr lang="pt-BR" smtClean="0"/>
-              <a:t>16/01/2025</a:t>
+              <a:t>14/02/2025</a:t>
             </a:fld>
             <a:endParaRPr lang="pt-BR"/>
           </a:p>
@@ -2364,7 +2364,7 @@
           <a:p>
             <a:fld id="{CDD55C27-F8C6-4481-8569-CAC50CAE9F1F}" type="datetimeFigureOut">
               <a:rPr lang="pt-BR" smtClean="0"/>
-              <a:t>16/01/2025</a:t>
+              <a:t>14/02/2025</a:t>
             </a:fld>
             <a:endParaRPr lang="pt-BR"/>
           </a:p>
@@ -2501,7 +2501,7 @@
           <a:p>
             <a:fld id="{CDD55C27-F8C6-4481-8569-CAC50CAE9F1F}" type="datetimeFigureOut">
               <a:rPr lang="pt-BR" smtClean="0"/>
-              <a:t>16/01/2025</a:t>
+              <a:t>14/02/2025</a:t>
             </a:fld>
             <a:endParaRPr lang="pt-BR"/>
           </a:p>
@@ -2845,7 +2845,7 @@
           <a:p>
             <a:fld id="{CDD55C27-F8C6-4481-8569-CAC50CAE9F1F}" type="datetimeFigureOut">
               <a:rPr lang="pt-BR" smtClean="0"/>
-              <a:t>16/01/2025</a:t>
+              <a:t>14/02/2025</a:t>
             </a:fld>
             <a:endParaRPr lang="pt-BR"/>
           </a:p>
@@ -3166,7 +3166,7 @@
           <a:p>
             <a:fld id="{CDD55C27-F8C6-4481-8569-CAC50CAE9F1F}" type="datetimeFigureOut">
               <a:rPr lang="pt-BR" smtClean="0"/>
-              <a:t>16/01/2025</a:t>
+              <a:t>14/02/2025</a:t>
             </a:fld>
             <a:endParaRPr lang="pt-BR"/>
           </a:p>
@@ -5664,7 +5664,7 @@
         </p:nvSpPr>
         <p:spPr>
           <a:xfrm>
-            <a:off x="592347" y="2553018"/>
+            <a:off x="592347" y="1890288"/>
             <a:ext cx="11007306" cy="2640240"/>
           </a:xfrm>
         </p:spPr>
@@ -5791,7 +5791,7 @@
         </p:nvSpPr>
         <p:spPr>
           <a:xfrm>
-            <a:off x="592347" y="2637152"/>
+            <a:off x="592347" y="1815031"/>
             <a:ext cx="11007306" cy="2535738"/>
           </a:xfrm>
         </p:spPr>
@@ -5925,7 +5925,7 @@
         </p:nvSpPr>
         <p:spPr>
           <a:xfrm>
-            <a:off x="592347" y="2656114"/>
+            <a:off x="592347" y="1976606"/>
             <a:ext cx="11007306" cy="2535738"/>
           </a:xfrm>
           <a:prstGeom prst="rect">
